--- a/фгос candom правка.pptx
+++ b/фгос candom правка.pptx
@@ -13,9 +13,6 @@
     <p:sldId id="266" r:id="rId7"/>
     <p:sldId id="261" r:id="rId8"/>
     <p:sldId id="262" r:id="rId9"/>
-    <p:sldId id="263" r:id="rId10"/>
-    <p:sldId id="264" r:id="rId11"/>
-    <p:sldId id="265" r:id="rId12"/>
   </p:sldIdLst>
   <p:sldSz cx="12192000" cy="6858000"/>
   <p:notesSz cx="6858000" cy="9144000"/>
@@ -264,7 +261,7 @@
           <a:p>
             <a:fld id="{C5B840EF-8026-4E03-8FFF-16F154FB5058}" type="datetimeFigureOut">
               <a:rPr lang="ru-RU" smtClean="0"/>
-              <a:t>29.11.2024</a:t>
+              <a:t>03.12.2024</a:t>
             </a:fld>
             <a:endParaRPr lang="ru-RU"/>
           </a:p>
@@ -434,7 +431,7 @@
           <a:p>
             <a:fld id="{C5B840EF-8026-4E03-8FFF-16F154FB5058}" type="datetimeFigureOut">
               <a:rPr lang="ru-RU" smtClean="0"/>
-              <a:t>29.11.2024</a:t>
+              <a:t>03.12.2024</a:t>
             </a:fld>
             <a:endParaRPr lang="ru-RU"/>
           </a:p>
@@ -614,7 +611,7 @@
           <a:p>
             <a:fld id="{C5B840EF-8026-4E03-8FFF-16F154FB5058}" type="datetimeFigureOut">
               <a:rPr lang="ru-RU" smtClean="0"/>
-              <a:t>29.11.2024</a:t>
+              <a:t>03.12.2024</a:t>
             </a:fld>
             <a:endParaRPr lang="ru-RU"/>
           </a:p>
@@ -784,7 +781,7 @@
           <a:p>
             <a:fld id="{C5B840EF-8026-4E03-8FFF-16F154FB5058}" type="datetimeFigureOut">
               <a:rPr lang="ru-RU" smtClean="0"/>
-              <a:t>29.11.2024</a:t>
+              <a:t>03.12.2024</a:t>
             </a:fld>
             <a:endParaRPr lang="ru-RU"/>
           </a:p>
@@ -1030,7 +1027,7 @@
           <a:p>
             <a:fld id="{C5B840EF-8026-4E03-8FFF-16F154FB5058}" type="datetimeFigureOut">
               <a:rPr lang="ru-RU" smtClean="0"/>
-              <a:t>29.11.2024</a:t>
+              <a:t>03.12.2024</a:t>
             </a:fld>
             <a:endParaRPr lang="ru-RU"/>
           </a:p>
@@ -1262,7 +1259,7 @@
           <a:p>
             <a:fld id="{C5B840EF-8026-4E03-8FFF-16F154FB5058}" type="datetimeFigureOut">
               <a:rPr lang="ru-RU" smtClean="0"/>
-              <a:t>29.11.2024</a:t>
+              <a:t>03.12.2024</a:t>
             </a:fld>
             <a:endParaRPr lang="ru-RU"/>
           </a:p>
@@ -1629,7 +1626,7 @@
           <a:p>
             <a:fld id="{C5B840EF-8026-4E03-8FFF-16F154FB5058}" type="datetimeFigureOut">
               <a:rPr lang="ru-RU" smtClean="0"/>
-              <a:t>29.11.2024</a:t>
+              <a:t>03.12.2024</a:t>
             </a:fld>
             <a:endParaRPr lang="ru-RU"/>
           </a:p>
@@ -1747,7 +1744,7 @@
           <a:p>
             <a:fld id="{C5B840EF-8026-4E03-8FFF-16F154FB5058}" type="datetimeFigureOut">
               <a:rPr lang="ru-RU" smtClean="0"/>
-              <a:t>29.11.2024</a:t>
+              <a:t>03.12.2024</a:t>
             </a:fld>
             <a:endParaRPr lang="ru-RU"/>
           </a:p>
@@ -1842,7 +1839,7 @@
           <a:p>
             <a:fld id="{C5B840EF-8026-4E03-8FFF-16F154FB5058}" type="datetimeFigureOut">
               <a:rPr lang="ru-RU" smtClean="0"/>
-              <a:t>29.11.2024</a:t>
+              <a:t>03.12.2024</a:t>
             </a:fld>
             <a:endParaRPr lang="ru-RU"/>
           </a:p>
@@ -2119,7 +2116,7 @@
           <a:p>
             <a:fld id="{C5B840EF-8026-4E03-8FFF-16F154FB5058}" type="datetimeFigureOut">
               <a:rPr lang="ru-RU" smtClean="0"/>
-              <a:t>29.11.2024</a:t>
+              <a:t>03.12.2024</a:t>
             </a:fld>
             <a:endParaRPr lang="ru-RU"/>
           </a:p>
@@ -2372,7 +2369,7 @@
           <a:p>
             <a:fld id="{C5B840EF-8026-4E03-8FFF-16F154FB5058}" type="datetimeFigureOut">
               <a:rPr lang="ru-RU" smtClean="0"/>
-              <a:t>29.11.2024</a:t>
+              <a:t>03.12.2024</a:t>
             </a:fld>
             <a:endParaRPr lang="ru-RU"/>
           </a:p>
@@ -2585,7 +2582,7 @@
           <a:p>
             <a:fld id="{C5B840EF-8026-4E03-8FFF-16F154FB5058}" type="datetimeFigureOut">
               <a:rPr lang="ru-RU" smtClean="0"/>
-              <a:t>29.11.2024</a:t>
+              <a:t>03.12.2024</a:t>
             </a:fld>
             <a:endParaRPr lang="ru-RU"/>
           </a:p>
@@ -3274,142 +3271,6 @@
 </p:sld>
 </file>
 
-<file path=ppt/slides/slide10.xml><?xml version="1.0" encoding="utf-8"?>
-<p:sld xmlns:a="http://schemas.openxmlformats.org/drawingml/2006/main" xmlns:r="http://schemas.openxmlformats.org/officeDocument/2006/relationships" xmlns:p="http://schemas.openxmlformats.org/presentationml/2006/main">
-  <p:cSld>
-    <p:spTree>
-      <p:nvGrpSpPr>
-        <p:cNvPr id="1" name=""/>
-        <p:cNvGrpSpPr/>
-        <p:nvPr/>
-      </p:nvGrpSpPr>
-      <p:grpSpPr>
-        <a:xfrm>
-          <a:off x="0" y="0"/>
-          <a:ext cx="0" cy="0"/>
-          <a:chOff x="0" y="0"/>
-          <a:chExt cx="0" cy="0"/>
-        </a:xfrm>
-      </p:grpSpPr>
-      <p:sp>
-        <p:nvSpPr>
-          <p:cNvPr id="2" name="Заголовок 1"/>
-          <p:cNvSpPr>
-            <a:spLocks noGrp="1"/>
-          </p:cNvSpPr>
-          <p:nvPr>
-            <p:ph type="title"/>
-          </p:nvPr>
-        </p:nvSpPr>
-        <p:spPr/>
-        <p:txBody>
-          <a:bodyPr/>
-          <a:lstStyle/>
-          <a:p>
-            <a:endParaRPr lang="ru-RU"/>
-          </a:p>
-        </p:txBody>
-      </p:sp>
-      <p:sp>
-        <p:nvSpPr>
-          <p:cNvPr id="3" name="Объект 2"/>
-          <p:cNvSpPr>
-            <a:spLocks noGrp="1"/>
-          </p:cNvSpPr>
-          <p:nvPr>
-            <p:ph idx="1"/>
-          </p:nvPr>
-        </p:nvSpPr>
-        <p:spPr/>
-        <p:txBody>
-          <a:bodyPr/>
-          <a:lstStyle/>
-          <a:p>
-            <a:endParaRPr lang="ru-RU"/>
-          </a:p>
-        </p:txBody>
-      </p:sp>
-    </p:spTree>
-    <p:extLst>
-      <p:ext uri="{BB962C8B-B14F-4D97-AF65-F5344CB8AC3E}">
-        <p14:creationId xmlns:p14="http://schemas.microsoft.com/office/powerpoint/2010/main" val="4113167512"/>
-      </p:ext>
-    </p:extLst>
-  </p:cSld>
-  <p:clrMapOvr>
-    <a:masterClrMapping/>
-  </p:clrMapOvr>
-</p:sld>
-</file>
-
-<file path=ppt/slides/slide11.xml><?xml version="1.0" encoding="utf-8"?>
-<p:sld xmlns:a="http://schemas.openxmlformats.org/drawingml/2006/main" xmlns:r="http://schemas.openxmlformats.org/officeDocument/2006/relationships" xmlns:p="http://schemas.openxmlformats.org/presentationml/2006/main">
-  <p:cSld>
-    <p:spTree>
-      <p:nvGrpSpPr>
-        <p:cNvPr id="1" name=""/>
-        <p:cNvGrpSpPr/>
-        <p:nvPr/>
-      </p:nvGrpSpPr>
-      <p:grpSpPr>
-        <a:xfrm>
-          <a:off x="0" y="0"/>
-          <a:ext cx="0" cy="0"/>
-          <a:chOff x="0" y="0"/>
-          <a:chExt cx="0" cy="0"/>
-        </a:xfrm>
-      </p:grpSpPr>
-      <p:sp>
-        <p:nvSpPr>
-          <p:cNvPr id="2" name="Заголовок 1"/>
-          <p:cNvSpPr>
-            <a:spLocks noGrp="1"/>
-          </p:cNvSpPr>
-          <p:nvPr>
-            <p:ph type="title"/>
-          </p:nvPr>
-        </p:nvSpPr>
-        <p:spPr/>
-        <p:txBody>
-          <a:bodyPr/>
-          <a:lstStyle/>
-          <a:p>
-            <a:endParaRPr lang="ru-RU"/>
-          </a:p>
-        </p:txBody>
-      </p:sp>
-      <p:sp>
-        <p:nvSpPr>
-          <p:cNvPr id="3" name="Объект 2"/>
-          <p:cNvSpPr>
-            <a:spLocks noGrp="1"/>
-          </p:cNvSpPr>
-          <p:nvPr>
-            <p:ph idx="1"/>
-          </p:nvPr>
-        </p:nvSpPr>
-        <p:spPr/>
-        <p:txBody>
-          <a:bodyPr/>
-          <a:lstStyle/>
-          <a:p>
-            <a:endParaRPr lang="ru-RU"/>
-          </a:p>
-        </p:txBody>
-      </p:sp>
-    </p:spTree>
-    <p:extLst>
-      <p:ext uri="{BB962C8B-B14F-4D97-AF65-F5344CB8AC3E}">
-        <p14:creationId xmlns:p14="http://schemas.microsoft.com/office/powerpoint/2010/main" val="2913069333"/>
-      </p:ext>
-    </p:extLst>
-  </p:cSld>
-  <p:clrMapOvr>
-    <a:masterClrMapping/>
-  </p:clrMapOvr>
-</p:sld>
-</file>
-
 <file path=ppt/slides/slide2.xml><?xml version="1.0" encoding="utf-8"?>
 <p:sld xmlns:a="http://schemas.openxmlformats.org/drawingml/2006/main" xmlns:r="http://schemas.openxmlformats.org/officeDocument/2006/relationships" xmlns:p="http://schemas.openxmlformats.org/presentationml/2006/main">
   <p:cSld>
@@ -3669,7 +3530,19 @@
           <a:bodyPr/>
           <a:lstStyle/>
           <a:p>
-            <a:endParaRPr lang="ru-RU"/>
+            <a:r>
+              <a:rPr lang="ru-RU" dirty="0"/>
+              <a:t>Работа </a:t>
+            </a:r>
+            <a:r>
+              <a:rPr lang="ru-RU" dirty="0" smtClean="0"/>
+              <a:t>мастера </a:t>
+            </a:r>
+            <a:r>
+              <a:rPr lang="ru-RU" dirty="0"/>
+              <a:t>на этапах занятия</a:t>
+            </a:r>
+            <a:endParaRPr lang="ru-RU" dirty="0"/>
           </a:p>
         </p:txBody>
       </p:sp>
@@ -3685,17 +3558,133 @@
         </p:nvSpPr>
         <p:spPr/>
         <p:txBody>
-          <a:bodyPr/>
-          <a:lstStyle/>
+          <a:bodyPr>
+            <a:normAutofit lnSpcReduction="10000"/>
+          </a:bodyPr>
+          <a:lstStyle/>
+          <a:p>
+            <a:pPr marL="457200" indent="-457200">
+              <a:buFont typeface="+mj-lt"/>
+              <a:buAutoNum type="arabicPeriod"/>
+            </a:pPr>
+            <a:r>
+              <a:rPr lang="ru-RU" sz="2400" b="1" dirty="0" smtClean="0"/>
+              <a:t>Организационный этап:  </a:t>
+            </a:r>
+            <a:r>
+              <a:rPr lang="ru-RU" sz="2400" dirty="0"/>
+              <a:t>Мастер проверяет готовность </a:t>
+            </a:r>
+            <a:r>
+              <a:rPr lang="ru-RU" sz="2400" dirty="0" smtClean="0"/>
+              <a:t>учащихся </a:t>
+            </a:r>
+          </a:p>
+          <a:p>
+            <a:pPr marL="457200" indent="-457200">
+              <a:buFont typeface="+mj-lt"/>
+              <a:buAutoNum type="arabicPeriod"/>
+            </a:pPr>
+            <a:endParaRPr lang="ru-RU" sz="2400" b="1" dirty="0" smtClean="0"/>
+          </a:p>
+          <a:p>
+            <a:pPr marL="457200" indent="-457200">
+              <a:buFont typeface="+mj-lt"/>
+              <a:buAutoNum type="arabicPeriod"/>
+            </a:pPr>
+            <a:r>
+              <a:rPr lang="ru-RU" sz="2400" b="1" dirty="0" smtClean="0"/>
+              <a:t>Вводный инструктаж: </a:t>
+            </a:r>
+            <a:r>
+              <a:rPr lang="ru-RU" sz="2400" dirty="0" smtClean="0"/>
+              <a:t>Мастер </a:t>
+            </a:r>
+            <a:r>
+              <a:rPr lang="ru-RU" sz="2400" dirty="0"/>
+              <a:t>сообщает учащимся, какие образовательные результаты планируется достичь и какую конкретную тему они будут изучать. Это помогает создать понимание важности </a:t>
+            </a:r>
+            <a:r>
+              <a:rPr lang="ru-RU" sz="2400" dirty="0" smtClean="0"/>
+              <a:t>занятия</a:t>
+            </a:r>
+          </a:p>
+          <a:p>
+            <a:pPr marL="457200" indent="-457200">
+              <a:buFont typeface="+mj-lt"/>
+              <a:buAutoNum type="arabicPeriod"/>
+            </a:pPr>
+            <a:endParaRPr lang="ru-RU" sz="2400" dirty="0" smtClean="0"/>
+          </a:p>
+          <a:p>
+            <a:pPr marL="457200" indent="-457200">
+              <a:buFont typeface="+mj-lt"/>
+              <a:buAutoNum type="arabicPeriod"/>
+            </a:pPr>
+            <a:r>
+              <a:rPr lang="ru-RU" sz="2400" b="1" dirty="0" smtClean="0"/>
+              <a:t>Текущий инструктаж</a:t>
+            </a:r>
+            <a:r>
+              <a:rPr lang="ru-RU" sz="2400" dirty="0" smtClean="0"/>
+              <a:t>: </a:t>
+            </a:r>
+            <a:r>
+              <a:rPr lang="ru-RU" sz="2400" dirty="0"/>
+              <a:t>На данном этапе внимание мастера сосредоточено на процессе выполнения </a:t>
+            </a:r>
+            <a:r>
+              <a:rPr lang="ru-RU" sz="2400" dirty="0" smtClean="0"/>
+              <a:t>задания</a:t>
+            </a:r>
+          </a:p>
+          <a:p>
+            <a:pPr marL="457200" indent="-457200">
+              <a:buFont typeface="+mj-lt"/>
+              <a:buAutoNum type="arabicPeriod"/>
+            </a:pPr>
+            <a:endParaRPr lang="ru-RU" sz="2400" dirty="0"/>
+          </a:p>
+          <a:p>
+            <a:pPr marL="457200" indent="-457200">
+              <a:buFont typeface="+mj-lt"/>
+              <a:buAutoNum type="arabicPeriod"/>
+            </a:pPr>
+            <a:r>
+              <a:rPr lang="ru-RU" sz="2400" dirty="0" smtClean="0"/>
+              <a:t> </a:t>
+            </a:r>
+            <a:r>
+              <a:rPr lang="ru-RU" sz="2400" b="1" dirty="0"/>
+              <a:t>Заключительный </a:t>
+            </a:r>
+            <a:r>
+              <a:rPr lang="ru-RU" sz="2400" b="1" dirty="0" smtClean="0"/>
+              <a:t>инструктаж</a:t>
+            </a:r>
+            <a:r>
+              <a:rPr lang="ru-RU" sz="2400" dirty="0" smtClean="0"/>
+              <a:t>: На </a:t>
+            </a:r>
+            <a:r>
+              <a:rPr lang="ru-RU" sz="2400" dirty="0"/>
+              <a:t>этом этапе основное внимание уделяется оценке выполненного задания и подробному обсуждению</a:t>
+            </a:r>
+            <a:endParaRPr lang="ru-RU" sz="2400" dirty="0" smtClean="0"/>
+          </a:p>
+          <a:p>
+            <a:pPr marL="457200" indent="-457200">
+              <a:buFont typeface="+mj-lt"/>
+              <a:buAutoNum type="arabicPeriod"/>
+            </a:pPr>
+            <a:endParaRPr lang="ru-RU" b="1" dirty="0"/>
+          </a:p>
           <a:p>
             <a:pPr marL="457200" lvl="0" indent="-457200">
               <a:buFont typeface="+mj-lt"/>
               <a:buAutoNum type="arabicPeriod"/>
             </a:pPr>
-            <a:r>
-              <a:rPr lang="ru-RU" dirty="0"/>
-              <a:t>Работа мастера ПО на этапах занятия, связанная с достижением заданной ОК; </a:t>
-            </a:r>
+            <a:endParaRPr lang="ru-RU" dirty="0"/>
           </a:p>
         </p:txBody>
       </p:sp>
@@ -3762,14 +3751,14 @@
             <p:ph sz="half" idx="2"/>
             <p:extLst>
               <p:ext uri="{D42A27DB-BD31-4B8C-83A1-F6EECF244321}">
-                <p14:modId xmlns:p14="http://schemas.microsoft.com/office/powerpoint/2010/main" val="3253483684"/>
+                <p14:modId xmlns:p14="http://schemas.microsoft.com/office/powerpoint/2010/main" val="444945532"/>
               </p:ext>
             </p:extLst>
           </p:nvPr>
         </p:nvGraphicFramePr>
         <p:xfrm>
-          <a:off x="3505200" y="2050912"/>
-          <a:ext cx="5181600" cy="3393440"/>
+          <a:off x="838200" y="1934817"/>
+          <a:ext cx="10515600" cy="3697356"/>
         </p:xfrm>
         <a:graphic>
           <a:graphicData uri="http://schemas.openxmlformats.org/drawingml/2006/table">
@@ -3778,14 +3767,14 @@
                 <a:tableStyleId>{5C22544A-7EE6-4342-B048-85BDC9FD1C3A}</a:tableStyleId>
               </a:tblPr>
               <a:tblGrid>
-                <a:gridCol w="2590800">
+                <a:gridCol w="5257800">
                   <a:extLst>
                     <a:ext uri="{9D8B030D-6E8A-4147-A177-3AD203B41FA5}">
                       <a16:colId xmlns:a16="http://schemas.microsoft.com/office/drawing/2014/main" val="20000"/>
                     </a:ext>
                   </a:extLst>
                 </a:gridCol>
-                <a:gridCol w="2590800">
+                <a:gridCol w="5257800">
                   <a:extLst>
                     <a:ext uri="{9D8B030D-6E8A-4147-A177-3AD203B41FA5}">
                       <a16:colId xmlns:a16="http://schemas.microsoft.com/office/drawing/2014/main" val="20001"/>
@@ -3793,7 +3782,7 @@
                   </a:extLst>
                 </a:gridCol>
               </a:tblGrid>
-              <a:tr h="370840">
+              <a:tr h="1892958">
                 <a:tc>
                   <a:txBody>
                     <a:bodyPr/>
@@ -3828,7 +3817,7 @@
                   </a:ext>
                 </a:extLst>
               </a:tr>
-              <a:tr h="370840">
+              <a:tr h="404052">
                 <a:tc>
                   <a:txBody>
                     <a:bodyPr/>
@@ -3867,7 +3856,7 @@
                   </a:ext>
                 </a:extLst>
               </a:tr>
-              <a:tr h="772287">
+              <a:tr h="996294">
                 <a:tc>
                   <a:txBody>
                     <a:bodyPr/>
@@ -3921,7 +3910,7 @@
                   </a:ext>
                 </a:extLst>
               </a:tr>
-              <a:tr h="370840">
+              <a:tr h="404052">
                 <a:tc>
                   <a:txBody>
                     <a:bodyPr/>
@@ -4442,7 +4431,11 @@
           <a:bodyPr/>
           <a:lstStyle/>
           <a:p>
-            <a:endParaRPr lang="ru-RU"/>
+            <a:r>
+              <a:rPr lang="ru-RU" dirty="0"/>
+              <a:t>Методы и средства контроля результатов</a:t>
+            </a:r>
+            <a:endParaRPr lang="ru-RU" dirty="0"/>
           </a:p>
         </p:txBody>
       </p:sp>
@@ -4461,13 +4454,25 @@
           <a:bodyPr/>
           <a:lstStyle/>
           <a:p>
-            <a:pPr lvl="0"/>
-            <a:r>
-              <a:rPr lang="ru-RU" dirty="0"/>
-              <a:t>Методы и средства контроля результатов достижения цели занятия, связанной с ОК,</a:t>
-            </a:r>
-          </a:p>
-          <a:p>
+            <a:endParaRPr lang="ru-RU" dirty="0" smtClean="0"/>
+          </a:p>
+          <a:p>
+            <a:endParaRPr lang="ru-RU" dirty="0"/>
+          </a:p>
+          <a:p>
+            <a:r>
+              <a:rPr lang="ru-RU" dirty="0" smtClean="0"/>
+              <a:t>Методы : вопросы открытого типа, кейс методы</a:t>
+            </a:r>
+          </a:p>
+          <a:p>
+            <a:endParaRPr lang="ru-RU" dirty="0" smtClean="0"/>
+          </a:p>
+          <a:p>
+            <a:r>
+              <a:rPr lang="ru-RU" dirty="0" smtClean="0"/>
+              <a:t>Средства: критерии оценивания, оценочные листы</a:t>
+            </a:r>
             <a:endParaRPr lang="ru-RU" dirty="0"/>
           </a:p>
         </p:txBody>
@@ -4567,6 +4572,7 @@
               <a:rPr lang="ru-RU" dirty="0" smtClean="0"/>
               <a:t>.</a:t>
             </a:r>
+            <a:endParaRPr lang="ru-RU" dirty="0" smtClean="0"/>
           </a:p>
           <a:p>
             <a:pPr marL="0" indent="0">
@@ -4574,8 +4580,13 @@
             </a:pPr>
             <a:r>
               <a:rPr lang="ru-RU" b="1" dirty="0"/>
-              <a:t>Разработка в контексте культурного разнообразия</a:t>
-            </a:r>
+              <a:t>Разработка в контексте культурного </a:t>
+            </a:r>
+            <a:r>
+              <a:rPr lang="ru-RU" b="1" dirty="0" smtClean="0"/>
+              <a:t>разнообразия</a:t>
+            </a:r>
+            <a:endParaRPr lang="ru-RU" b="1" dirty="0"/>
           </a:p>
           <a:p>
             <a:r>
@@ -4609,126 +4620,6 @@
     <p:extLst>
       <p:ext uri="{BB962C8B-B14F-4D97-AF65-F5344CB8AC3E}">
         <p14:creationId xmlns:p14="http://schemas.microsoft.com/office/powerpoint/2010/main" val="3595928966"/>
-      </p:ext>
-    </p:extLst>
-  </p:cSld>
-  <p:clrMapOvr>
-    <a:masterClrMapping/>
-  </p:clrMapOvr>
-</p:sld>
-</file>
-
-<file path=ppt/slides/slide9.xml><?xml version="1.0" encoding="utf-8"?>
-<p:sld xmlns:a="http://schemas.openxmlformats.org/drawingml/2006/main" xmlns:r="http://schemas.openxmlformats.org/officeDocument/2006/relationships" xmlns:p="http://schemas.openxmlformats.org/presentationml/2006/main">
-  <p:cSld>
-    <p:spTree>
-      <p:nvGrpSpPr>
-        <p:cNvPr id="1" name=""/>
-        <p:cNvGrpSpPr/>
-        <p:nvPr/>
-      </p:nvGrpSpPr>
-      <p:grpSpPr>
-        <a:xfrm>
-          <a:off x="0" y="0"/>
-          <a:ext cx="0" cy="0"/>
-          <a:chOff x="0" y="0"/>
-          <a:chExt cx="0" cy="0"/>
-        </a:xfrm>
-      </p:grpSpPr>
-      <p:sp>
-        <p:nvSpPr>
-          <p:cNvPr id="2" name="Заголовок 1"/>
-          <p:cNvSpPr>
-            <a:spLocks noGrp="1"/>
-          </p:cNvSpPr>
-          <p:nvPr>
-            <p:ph type="title"/>
-          </p:nvPr>
-        </p:nvSpPr>
-        <p:spPr/>
-        <p:txBody>
-          <a:bodyPr/>
-          <a:lstStyle/>
-          <a:p>
-            <a:endParaRPr lang="ru-RU"/>
-          </a:p>
-        </p:txBody>
-      </p:sp>
-      <p:sp>
-        <p:nvSpPr>
-          <p:cNvPr id="3" name="Объект 2"/>
-          <p:cNvSpPr>
-            <a:spLocks noGrp="1"/>
-          </p:cNvSpPr>
-          <p:nvPr>
-            <p:ph idx="1"/>
-          </p:nvPr>
-        </p:nvSpPr>
-        <p:spPr/>
-        <p:txBody>
-          <a:bodyPr/>
-          <a:lstStyle/>
-          <a:p>
-            <a:pPr lvl="0"/>
-            <a:r>
-              <a:rPr lang="ru-RU" dirty="0"/>
-              <a:t>темные буквы на светлом фоне, </a:t>
-            </a:r>
-          </a:p>
-          <a:p>
-            <a:pPr lvl="0"/>
-            <a:r>
-              <a:rPr lang="ru-RU" dirty="0"/>
-              <a:t>один шрифт на всех слайдах (рекомендуется шрифт </a:t>
-            </a:r>
-            <a:r>
-              <a:rPr lang="ru-RU" dirty="0" err="1"/>
-              <a:t>Arial</a:t>
-            </a:r>
-            <a:r>
-              <a:rPr lang="ru-RU" dirty="0"/>
-              <a:t> или </a:t>
-            </a:r>
-            <a:r>
-              <a:rPr lang="ru-RU" dirty="0" err="1"/>
-              <a:t>Calibri</a:t>
-            </a:r>
-            <a:r>
-              <a:rPr lang="ru-RU" dirty="0"/>
-              <a:t>), </a:t>
-            </a:r>
-          </a:p>
-          <a:p>
-            <a:pPr lvl="0"/>
-            <a:r>
-              <a:rPr lang="ru-RU" dirty="0"/>
-              <a:t>размер шрифта 24 </a:t>
-            </a:r>
-            <a:r>
-              <a:rPr lang="ru-RU" dirty="0" err="1"/>
-              <a:t>пт</a:t>
-            </a:r>
-            <a:r>
-              <a:rPr lang="ru-RU" dirty="0"/>
-              <a:t> и более, </a:t>
-            </a:r>
-          </a:p>
-          <a:p>
-            <a:pPr lvl="0"/>
-            <a:r>
-              <a:rPr lang="ru-RU" dirty="0"/>
-              <a:t>единообразное оформление слайдов</a:t>
-            </a:r>
-          </a:p>
-          <a:p>
-            <a:endParaRPr lang="ru-RU" dirty="0"/>
-          </a:p>
-        </p:txBody>
-      </p:sp>
-    </p:spTree>
-    <p:extLst>
-      <p:ext uri="{BB962C8B-B14F-4D97-AF65-F5344CB8AC3E}">
-        <p14:creationId xmlns:p14="http://schemas.microsoft.com/office/powerpoint/2010/main" val="2121749787"/>
       </p:ext>
     </p:extLst>
   </p:cSld>
